--- a/기타/인터페이스/BK09 관리자 기능.pptx
+++ b/기타/인터페이스/BK09 관리자 기능.pptx
@@ -251,7 +251,7 @@
           <a:p>
             <a:fld id="{78F27381-BD94-423B-B33F-F16E42E4950E}" type="datetimeFigureOut">
               <a:rPr lang="ko-KR" altLang="en-US" smtClean="0"/>
-              <a:t>2023-03-04</a:t>
+              <a:t>2023-03-06</a:t>
             </a:fld>
             <a:endParaRPr lang="ko-KR" altLang="en-US"/>
           </a:p>
@@ -419,7 +419,7 @@
           <a:p>
             <a:fld id="{78F27381-BD94-423B-B33F-F16E42E4950E}" type="datetimeFigureOut">
               <a:rPr lang="ko-KR" altLang="en-US" smtClean="0"/>
-              <a:t>2023-03-04</a:t>
+              <a:t>2023-03-06</a:t>
             </a:fld>
             <a:endParaRPr lang="ko-KR" altLang="en-US"/>
           </a:p>
@@ -597,7 +597,7 @@
           <a:p>
             <a:fld id="{78F27381-BD94-423B-B33F-F16E42E4950E}" type="datetimeFigureOut">
               <a:rPr lang="ko-KR" altLang="en-US" smtClean="0"/>
-              <a:t>2023-03-04</a:t>
+              <a:t>2023-03-06</a:t>
             </a:fld>
             <a:endParaRPr lang="ko-KR" altLang="en-US"/>
           </a:p>
@@ -765,7 +765,7 @@
           <a:p>
             <a:fld id="{78F27381-BD94-423B-B33F-F16E42E4950E}" type="datetimeFigureOut">
               <a:rPr lang="ko-KR" altLang="en-US" smtClean="0"/>
-              <a:t>2023-03-04</a:t>
+              <a:t>2023-03-06</a:t>
             </a:fld>
             <a:endParaRPr lang="ko-KR" altLang="en-US"/>
           </a:p>
@@ -1010,7 +1010,7 @@
           <a:p>
             <a:fld id="{78F27381-BD94-423B-B33F-F16E42E4950E}" type="datetimeFigureOut">
               <a:rPr lang="ko-KR" altLang="en-US" smtClean="0"/>
-              <a:t>2023-03-04</a:t>
+              <a:t>2023-03-06</a:t>
             </a:fld>
             <a:endParaRPr lang="ko-KR" altLang="en-US"/>
           </a:p>
@@ -1239,7 +1239,7 @@
           <a:p>
             <a:fld id="{78F27381-BD94-423B-B33F-F16E42E4950E}" type="datetimeFigureOut">
               <a:rPr lang="ko-KR" altLang="en-US" smtClean="0"/>
-              <a:t>2023-03-04</a:t>
+              <a:t>2023-03-06</a:t>
             </a:fld>
             <a:endParaRPr lang="ko-KR" altLang="en-US"/>
           </a:p>
@@ -1603,7 +1603,7 @@
           <a:p>
             <a:fld id="{78F27381-BD94-423B-B33F-F16E42E4950E}" type="datetimeFigureOut">
               <a:rPr lang="ko-KR" altLang="en-US" smtClean="0"/>
-              <a:t>2023-03-04</a:t>
+              <a:t>2023-03-06</a:t>
             </a:fld>
             <a:endParaRPr lang="ko-KR" altLang="en-US"/>
           </a:p>
@@ -1720,7 +1720,7 @@
           <a:p>
             <a:fld id="{78F27381-BD94-423B-B33F-F16E42E4950E}" type="datetimeFigureOut">
               <a:rPr lang="ko-KR" altLang="en-US" smtClean="0"/>
-              <a:t>2023-03-04</a:t>
+              <a:t>2023-03-06</a:t>
             </a:fld>
             <a:endParaRPr lang="ko-KR" altLang="en-US"/>
           </a:p>
@@ -1815,7 +1815,7 @@
           <a:p>
             <a:fld id="{78F27381-BD94-423B-B33F-F16E42E4950E}" type="datetimeFigureOut">
               <a:rPr lang="ko-KR" altLang="en-US" smtClean="0"/>
-              <a:t>2023-03-04</a:t>
+              <a:t>2023-03-06</a:t>
             </a:fld>
             <a:endParaRPr lang="ko-KR" altLang="en-US"/>
           </a:p>
@@ -2090,7 +2090,7 @@
           <a:p>
             <a:fld id="{78F27381-BD94-423B-B33F-F16E42E4950E}" type="datetimeFigureOut">
               <a:rPr lang="ko-KR" altLang="en-US" smtClean="0"/>
-              <a:t>2023-03-04</a:t>
+              <a:t>2023-03-06</a:t>
             </a:fld>
             <a:endParaRPr lang="ko-KR" altLang="en-US"/>
           </a:p>
@@ -2342,7 +2342,7 @@
           <a:p>
             <a:fld id="{78F27381-BD94-423B-B33F-F16E42E4950E}" type="datetimeFigureOut">
               <a:rPr lang="ko-KR" altLang="en-US" smtClean="0"/>
-              <a:t>2023-03-04</a:t>
+              <a:t>2023-03-06</a:t>
             </a:fld>
             <a:endParaRPr lang="ko-KR" altLang="en-US"/>
           </a:p>
@@ -2553,7 +2553,7 @@
           <a:p>
             <a:fld id="{78F27381-BD94-423B-B33F-F16E42E4950E}" type="datetimeFigureOut">
               <a:rPr lang="ko-KR" altLang="en-US" smtClean="0"/>
-              <a:t>2023-03-04</a:t>
+              <a:t>2023-03-06</a:t>
             </a:fld>
             <a:endParaRPr lang="ko-KR" altLang="en-US"/>
           </a:p>
@@ -3033,8 +3033,24 @@
               <a:p>
                 <a:pPr algn="ctr"/>
                 <a:r>
+                  <a:rPr lang="ko-KR" altLang="en-US" dirty="0" smtClean="0"/>
+                  <a:t>데이터 전체 조회</a:t>
+                </a:r>
+                <a:endParaRPr lang="en-US" altLang="ko-KR" dirty="0" smtClean="0"/>
+              </a:p>
+              <a:p>
+                <a:pPr algn="ctr"/>
+                <a:endParaRPr lang="en-US" altLang="ko-KR" dirty="0"/>
+              </a:p>
+              <a:p>
+                <a:pPr algn="ctr"/>
+                <a:r>
+                  <a:rPr lang="ko-KR" altLang="en-US" dirty="0" smtClean="0"/>
+                  <a:t>계좌 </a:t>
+                </a:r>
+                <a:r>
                   <a:rPr lang="ko-KR" altLang="en-US" dirty="0"/>
-                  <a:t>계좌 개설</a:t>
+                  <a:t>개설</a:t>
                 </a:r>
                 <a:endParaRPr lang="en-US" altLang="ko-KR" dirty="0"/>
               </a:p>
@@ -4132,6 +4148,18 @@
                 <a:pPr algn="ctr"/>
                 <a:r>
                   <a:rPr lang="ko-KR" altLang="en-US" dirty="0"/>
+                  <a:t>데이터 전체 조회</a:t>
+                </a:r>
+                <a:endParaRPr lang="en-US" altLang="ko-KR" dirty="0"/>
+              </a:p>
+              <a:p>
+                <a:pPr algn="ctr"/>
+                <a:endParaRPr lang="en-US" altLang="ko-KR" dirty="0"/>
+              </a:p>
+              <a:p>
+                <a:pPr algn="ctr"/>
+                <a:r>
+                  <a:rPr lang="ko-KR" altLang="en-US" dirty="0"/>
                   <a:t>계좌 개설</a:t>
                 </a:r>
                 <a:endParaRPr lang="en-US" altLang="ko-KR" dirty="0"/>
@@ -4414,7 +4442,7 @@
         </p:nvSpPr>
         <p:spPr>
           <a:xfrm>
-            <a:off x="767552" y="3299039"/>
+            <a:off x="767552" y="3847679"/>
             <a:ext cx="6624807" cy="369332"/>
           </a:xfrm>
           <a:prstGeom prst="rect">
